--- a/daisy.pptx
+++ b/daisy.pptx
@@ -11,7 +11,7 @@
     <p:handoutMasterId r:id="rId4"/>
   </p:handoutMasterIdLst>
   <p:sldIdLst>
-    <p:sldId id="611" r:id="rId2"/>
+    <p:sldId id="612" r:id="rId2"/>
   </p:sldIdLst>
   <p:sldSz cx="9144000" cy="6858000" type="screen4x3"/>
   <p:notesSz cx="6858000" cy="9144000"/>
@@ -354,7 +354,7 @@
               <a:pPr>
                 <a:defRPr/>
               </a:pPr>
-              <a:t>10/24/2017</a:t>
+              <a:t>10/27/2017</a:t>
             </a:fld>
             <a:endParaRPr lang="en-US" altLang="ja-JP"/>
           </a:p>
@@ -5412,7 +5412,7 @@
               <p:cNvPr id="9" name="TextBox 15">
                 <a:extLst>
                   <a:ext uri="{FF2B5EF4-FFF2-40B4-BE49-F238E27FC236}">
-                    <a16:creationId xmlns:a16="http://schemas.microsoft.com/office/drawing/2014/main" id="{1C573550-E742-442A-AE05-1F3D08FA49FC}"/>
+                    <a16:creationId xmlns:a16="http://schemas.microsoft.com/office/drawing/2014/main" xmlns="" xmlns:a14="http://schemas.microsoft.com/office/drawing/2010/main" id="{1C573550-E742-442A-AE05-1F3D08FA49FC}"/>
                   </a:ext>
                 </a:extLst>
               </p:cNvPr>
@@ -5440,14 +5440,14 @@
               </a:ln>
               <a:extLst>
                 <a:ext uri="{909E8E84-426E-40DD-AFC4-6F175D3DCCD1}">
-                  <a14:hiddenFill xmlns:a14="http://schemas.microsoft.com/office/drawing/2010/main">
+                  <a14:hiddenFill xmlns:a14="http://schemas.microsoft.com/office/drawing/2010/main" xmlns="">
                     <a:solidFill>
                       <a:srgbClr val="FFFFFF"/>
                     </a:solidFill>
                   </a14:hiddenFill>
                 </a:ext>
                 <a:ext uri="{91240B29-F687-4F45-9708-019B960494DF}">
-                  <a14:hiddenLine xmlns:a14="http://schemas.microsoft.com/office/drawing/2010/main" w="9525">
+                  <a14:hiddenLine xmlns:a14="http://schemas.microsoft.com/office/drawing/2010/main" xmlns="" w="9525">
                     <a:solidFill>
                       <a:srgbClr val="000000"/>
                     </a:solidFill>
@@ -5566,7 +5566,7 @@
               <p:cNvPr id="10" name="TextBox 16">
                 <a:extLst>
                   <a:ext uri="{FF2B5EF4-FFF2-40B4-BE49-F238E27FC236}">
-                    <a16:creationId xmlns:a16="http://schemas.microsoft.com/office/drawing/2014/main" id="{06F72B6A-EB32-4F05-95D8-A37F46171109}"/>
+                    <a16:creationId xmlns:a16="http://schemas.microsoft.com/office/drawing/2014/main" xmlns="" xmlns:a14="http://schemas.microsoft.com/office/drawing/2010/main" id="{06F72B6A-EB32-4F05-95D8-A37F46171109}"/>
                   </a:ext>
                 </a:extLst>
               </p:cNvPr>
@@ -5594,14 +5594,14 @@
               </a:ln>
               <a:extLst>
                 <a:ext uri="{909E8E84-426E-40DD-AFC4-6F175D3DCCD1}">
-                  <a14:hiddenFill xmlns:a14="http://schemas.microsoft.com/office/drawing/2010/main">
+                  <a14:hiddenFill xmlns:a14="http://schemas.microsoft.com/office/drawing/2010/main" xmlns="">
                     <a:solidFill>
                       <a:srgbClr val="FFFFFF"/>
                     </a:solidFill>
                   </a14:hiddenFill>
                 </a:ext>
                 <a:ext uri="{91240B29-F687-4F45-9708-019B960494DF}">
-                  <a14:hiddenLine xmlns:a14="http://schemas.microsoft.com/office/drawing/2010/main" w="9525">
+                  <a14:hiddenLine xmlns:a14="http://schemas.microsoft.com/office/drawing/2010/main" xmlns="" w="9525">
                     <a:solidFill>
                       <a:srgbClr val="000000"/>
                     </a:solidFill>
@@ -5834,7 +5834,7 @@
               <p:cNvPr id="11" name="TextBox 17">
                 <a:extLst>
                   <a:ext uri="{FF2B5EF4-FFF2-40B4-BE49-F238E27FC236}">
-                    <a16:creationId xmlns:a16="http://schemas.microsoft.com/office/drawing/2014/main" id="{C3D590E1-0B3D-4E60-9F19-35879F69368C}"/>
+                    <a16:creationId xmlns:a16="http://schemas.microsoft.com/office/drawing/2014/main" xmlns="" xmlns:a14="http://schemas.microsoft.com/office/drawing/2010/main" id="{C3D590E1-0B3D-4E60-9F19-35879F69368C}"/>
                   </a:ext>
                 </a:extLst>
               </p:cNvPr>
@@ -5862,14 +5862,14 @@
               </a:ln>
               <a:extLst>
                 <a:ext uri="{909E8E84-426E-40DD-AFC4-6F175D3DCCD1}">
-                  <a14:hiddenFill xmlns:a14="http://schemas.microsoft.com/office/drawing/2010/main">
+                  <a14:hiddenFill xmlns:a14="http://schemas.microsoft.com/office/drawing/2010/main" xmlns="">
                     <a:solidFill>
                       <a:srgbClr val="FFFFFF"/>
                     </a:solidFill>
                   </a14:hiddenFill>
                 </a:ext>
                 <a:ext uri="{91240B29-F687-4F45-9708-019B960494DF}">
-                  <a14:hiddenLine xmlns:a14="http://schemas.microsoft.com/office/drawing/2010/main" w="9525">
+                  <a14:hiddenLine xmlns:a14="http://schemas.microsoft.com/office/drawing/2010/main" xmlns="" w="9525">
                     <a:solidFill>
                       <a:srgbClr val="000000"/>
                     </a:solidFill>
@@ -6054,7 +6054,7 @@
               <p:cNvPr id="12" name="TextBox 18">
                 <a:extLst>
                   <a:ext uri="{FF2B5EF4-FFF2-40B4-BE49-F238E27FC236}">
-                    <a16:creationId xmlns:a16="http://schemas.microsoft.com/office/drawing/2014/main" id="{A5051946-814A-4E6F-A9CD-6F44DF9B4974}"/>
+                    <a16:creationId xmlns:a16="http://schemas.microsoft.com/office/drawing/2014/main" xmlns="" xmlns:a14="http://schemas.microsoft.com/office/drawing/2010/main" id="{A5051946-814A-4E6F-A9CD-6F44DF9B4974}"/>
                   </a:ext>
                 </a:extLst>
               </p:cNvPr>
@@ -6082,14 +6082,14 @@
               </a:ln>
               <a:extLst>
                 <a:ext uri="{909E8E84-426E-40DD-AFC4-6F175D3DCCD1}">
-                  <a14:hiddenFill xmlns:a14="http://schemas.microsoft.com/office/drawing/2010/main">
+                  <a14:hiddenFill xmlns:a14="http://schemas.microsoft.com/office/drawing/2010/main" xmlns="">
                     <a:solidFill>
                       <a:srgbClr val="FFFFFF"/>
                     </a:solidFill>
                   </a14:hiddenFill>
                 </a:ext>
                 <a:ext uri="{91240B29-F687-4F45-9708-019B960494DF}">
-                  <a14:hiddenLine xmlns:a14="http://schemas.microsoft.com/office/drawing/2010/main" w="9525">
+                  <a14:hiddenLine xmlns:a14="http://schemas.microsoft.com/office/drawing/2010/main" xmlns="" w="9525">
                     <a:solidFill>
                       <a:srgbClr val="000000"/>
                     </a:solidFill>
@@ -6209,7 +6209,7 @@
               <p:cNvPr id="13" name="TextBox 19">
                 <a:extLst>
                   <a:ext uri="{FF2B5EF4-FFF2-40B4-BE49-F238E27FC236}">
-                    <a16:creationId xmlns:a16="http://schemas.microsoft.com/office/drawing/2014/main" id="{309C628F-6029-4054-AAF4-D8C5D778A9A7}"/>
+                    <a16:creationId xmlns:a16="http://schemas.microsoft.com/office/drawing/2014/main" xmlns="" xmlns:a14="http://schemas.microsoft.com/office/drawing/2010/main" id="{309C628F-6029-4054-AAF4-D8C5D778A9A7}"/>
                   </a:ext>
                 </a:extLst>
               </p:cNvPr>
@@ -6237,14 +6237,14 @@
               </a:ln>
               <a:extLst>
                 <a:ext uri="{909E8E84-426E-40DD-AFC4-6F175D3DCCD1}">
-                  <a14:hiddenFill xmlns:a14="http://schemas.microsoft.com/office/drawing/2010/main">
+                  <a14:hiddenFill xmlns:a14="http://schemas.microsoft.com/office/drawing/2010/main" xmlns="">
                     <a:solidFill>
                       <a:srgbClr val="FFFFFF"/>
                     </a:solidFill>
                   </a14:hiddenFill>
                 </a:ext>
                 <a:ext uri="{91240B29-F687-4F45-9708-019B960494DF}">
-                  <a14:hiddenLine xmlns:a14="http://schemas.microsoft.com/office/drawing/2010/main" w="9525">
+                  <a14:hiddenLine xmlns:a14="http://schemas.microsoft.com/office/drawing/2010/main" xmlns="" w="9525">
                     <a:solidFill>
                       <a:srgbClr val="000000"/>
                     </a:solidFill>
@@ -9150,7 +9150,7 @@
               <p:cNvPr id="91" name="テキスト ボックス 90">
                 <a:extLst>
                   <a:ext uri="{FF2B5EF4-FFF2-40B4-BE49-F238E27FC236}">
-                    <a16:creationId xmlns:a16="http://schemas.microsoft.com/office/drawing/2014/main" id="{A5DE3A06-4F45-477F-BF1D-E80C6DF589F0}"/>
+                    <a16:creationId xmlns:a16="http://schemas.microsoft.com/office/drawing/2014/main" xmlns="" xmlns:a14="http://schemas.microsoft.com/office/drawing/2010/main" id="{A5DE3A06-4F45-477F-BF1D-E80C6DF589F0}"/>
                   </a:ext>
                 </a:extLst>
               </p:cNvPr>
@@ -10392,7 +10392,7 @@
               <p:cNvPr id="137" name="テキスト ボックス 136">
                 <a:extLst>
                   <a:ext uri="{FF2B5EF4-FFF2-40B4-BE49-F238E27FC236}">
-                    <a16:creationId xmlns:a16="http://schemas.microsoft.com/office/drawing/2014/main" id="{F2691164-67C1-4046-9FEE-4C6412F04FBD}"/>
+                    <a16:creationId xmlns:a16="http://schemas.microsoft.com/office/drawing/2014/main" xmlns="" xmlns:a14="http://schemas.microsoft.com/office/drawing/2010/main" id="{F2691164-67C1-4046-9FEE-4C6412F04FBD}"/>
                   </a:ext>
                 </a:extLst>
               </p:cNvPr>
@@ -10520,7 +10520,7 @@
               <p:cNvPr id="138" name="テキスト ボックス 137">
                 <a:extLst>
                   <a:ext uri="{FF2B5EF4-FFF2-40B4-BE49-F238E27FC236}">
-                    <a16:creationId xmlns:a16="http://schemas.microsoft.com/office/drawing/2014/main" id="{761FF25D-5EB8-4F25-B7DE-92904CF66415}"/>
+                    <a16:creationId xmlns:a16="http://schemas.microsoft.com/office/drawing/2014/main" xmlns="" xmlns:a14="http://schemas.microsoft.com/office/drawing/2010/main" id="{761FF25D-5EB8-4F25-B7DE-92904CF66415}"/>
                   </a:ext>
                 </a:extLst>
               </p:cNvPr>
@@ -11297,8 +11297,8 @@
         </p:nvSpPr>
         <p:spPr>
           <a:xfrm>
-            <a:off x="2702472" y="2830010"/>
-            <a:ext cx="1633782" cy="276999"/>
+            <a:off x="2626331" y="2830010"/>
+            <a:ext cx="1786066" cy="276999"/>
           </a:xfrm>
           <a:prstGeom prst="rect">
             <a:avLst/>
@@ -11318,7 +11318,7 @@
                   <a:schemeClr val="tx1"/>
                 </a:solidFill>
               </a:rPr>
-              <a:t>2. asking &amp; allocation</a:t>
+              <a:t>2. asking and allocation</a:t>
             </a:r>
             <a:endParaRPr kumimoji="1" lang="ja-JP" altLang="en-US" sz="1200" dirty="0">
               <a:solidFill>
@@ -11509,7 +11509,7 @@
               <p:cNvPr id="181" name="テキスト ボックス 180">
                 <a:extLst>
                   <a:ext uri="{FF2B5EF4-FFF2-40B4-BE49-F238E27FC236}">
-                    <a16:creationId xmlns:a16="http://schemas.microsoft.com/office/drawing/2014/main" id="{C93E100C-A3F6-4E2C-855A-8434345380F3}"/>
+                    <a16:creationId xmlns:a16="http://schemas.microsoft.com/office/drawing/2014/main" xmlns="" xmlns:a14="http://schemas.microsoft.com/office/drawing/2010/main" id="{C93E100C-A3F6-4E2C-855A-8434345380F3}"/>
                   </a:ext>
                 </a:extLst>
               </p:cNvPr>
@@ -11637,7 +11637,7 @@
               <p:cNvPr id="182" name="テキスト ボックス 181">
                 <a:extLst>
                   <a:ext uri="{FF2B5EF4-FFF2-40B4-BE49-F238E27FC236}">
-                    <a16:creationId xmlns:a16="http://schemas.microsoft.com/office/drawing/2014/main" id="{8D16CFCA-ED54-4981-B540-B77814A56859}"/>
+                    <a16:creationId xmlns:a16="http://schemas.microsoft.com/office/drawing/2014/main" xmlns="" xmlns:a14="http://schemas.microsoft.com/office/drawing/2010/main" id="{8D16CFCA-ED54-4981-B540-B77814A56859}"/>
                   </a:ext>
                 </a:extLst>
               </p:cNvPr>
@@ -11765,7 +11765,7 @@
               <p:cNvPr id="183" name="テキスト ボックス 182">
                 <a:extLst>
                   <a:ext uri="{FF2B5EF4-FFF2-40B4-BE49-F238E27FC236}">
-                    <a16:creationId xmlns:a16="http://schemas.microsoft.com/office/drawing/2014/main" id="{F41E0886-3629-4567-838B-A90D5CEAEDCA}"/>
+                    <a16:creationId xmlns:a16="http://schemas.microsoft.com/office/drawing/2014/main" xmlns="" xmlns:a14="http://schemas.microsoft.com/office/drawing/2010/main" id="{F41E0886-3629-4567-838B-A90D5CEAEDCA}"/>
                   </a:ext>
                 </a:extLst>
               </p:cNvPr>
@@ -11902,7 +11902,7 @@
               <p:cNvPr id="191" name="テキスト ボックス 190">
                 <a:extLst>
                   <a:ext uri="{FF2B5EF4-FFF2-40B4-BE49-F238E27FC236}">
-                    <a16:creationId xmlns:a16="http://schemas.microsoft.com/office/drawing/2014/main" id="{CC8AB245-0849-4DCB-960F-1A4EAFA6636E}"/>
+                    <a16:creationId xmlns:a16="http://schemas.microsoft.com/office/drawing/2014/main" xmlns="" xmlns:a14="http://schemas.microsoft.com/office/drawing/2010/main" id="{CC8AB245-0849-4DCB-960F-1A4EAFA6636E}"/>
                   </a:ext>
                 </a:extLst>
               </p:cNvPr>
@@ -12039,7 +12039,7 @@
               <p:cNvPr id="192" name="テキスト ボックス 191">
                 <a:extLst>
                   <a:ext uri="{FF2B5EF4-FFF2-40B4-BE49-F238E27FC236}">
-                    <a16:creationId xmlns:a16="http://schemas.microsoft.com/office/drawing/2014/main" id="{C614424B-3E5F-4A30-8951-D412B7957A38}"/>
+                    <a16:creationId xmlns:a16="http://schemas.microsoft.com/office/drawing/2014/main" xmlns="" xmlns:a14="http://schemas.microsoft.com/office/drawing/2010/main" id="{C614424B-3E5F-4A30-8951-D412B7957A38}"/>
                   </a:ext>
                 </a:extLst>
               </p:cNvPr>
@@ -12185,7 +12185,7 @@
               <p:cNvPr id="198" name="正方形/長方形 197">
                 <a:extLst>
                   <a:ext uri="{FF2B5EF4-FFF2-40B4-BE49-F238E27FC236}">
-                    <a16:creationId xmlns:a16="http://schemas.microsoft.com/office/drawing/2014/main" id="{55AC0F78-96D3-4E77-943A-9D6244183974}"/>
+                    <a16:creationId xmlns:a16="http://schemas.microsoft.com/office/drawing/2014/main" xmlns="" xmlns:a14="http://schemas.microsoft.com/office/drawing/2010/main" id="{55AC0F78-96D3-4E77-943A-9D6244183974}"/>
                   </a:ext>
                 </a:extLst>
               </p:cNvPr>
@@ -12291,7 +12291,7 @@
               <p:cNvPr id="200" name="正方形/長方形 199">
                 <a:extLst>
                   <a:ext uri="{FF2B5EF4-FFF2-40B4-BE49-F238E27FC236}">
-                    <a16:creationId xmlns:a16="http://schemas.microsoft.com/office/drawing/2014/main" id="{6B37A95C-D5E2-43C6-A8C1-591460A97509}"/>
+                    <a16:creationId xmlns:a16="http://schemas.microsoft.com/office/drawing/2014/main" xmlns="" xmlns:a14="http://schemas.microsoft.com/office/drawing/2010/main" id="{6B37A95C-D5E2-43C6-A8C1-591460A97509}"/>
                   </a:ext>
                 </a:extLst>
               </p:cNvPr>
@@ -12309,7 +12309,7 @@
                 <a:avLst/>
               </a:prstGeom>
               <a:blipFill>
-                <a:blip r:embed="rId21"/>
+                <a:blip r:embed="rId15"/>
                 <a:stretch>
                   <a:fillRect/>
                 </a:stretch>
@@ -12541,7 +12541,7 @@
               <p:cNvPr id="203" name="正方形/長方形 202">
                 <a:extLst>
                   <a:ext uri="{FF2B5EF4-FFF2-40B4-BE49-F238E27FC236}">
-                    <a16:creationId xmlns:a16="http://schemas.microsoft.com/office/drawing/2014/main" id="{29C0A178-BE53-4DDC-9D27-D51FD0CBA45C}"/>
+                    <a16:creationId xmlns:a16="http://schemas.microsoft.com/office/drawing/2014/main" xmlns="" xmlns:a14="http://schemas.microsoft.com/office/drawing/2010/main" id="{29C0A178-BE53-4DDC-9D27-D51FD0CBA45C}"/>
                   </a:ext>
                 </a:extLst>
               </p:cNvPr>
@@ -12559,7 +12559,7 @@
                 <a:avLst/>
               </a:prstGeom>
               <a:blipFill>
-                <a:blip r:embed="rId22"/>
+                <a:blip r:embed="rId16"/>
                 <a:stretch>
                   <a:fillRect t="-11905" r="-1899" b="-16667"/>
                 </a:stretch>
@@ -12687,7 +12687,7 @@
               <p:cNvPr id="210" name="正方形/長方形 209">
                 <a:extLst>
                   <a:ext uri="{FF2B5EF4-FFF2-40B4-BE49-F238E27FC236}">
-                    <a16:creationId xmlns:a16="http://schemas.microsoft.com/office/drawing/2014/main" id="{C22B3370-BF7B-4D51-A1E7-6F5DC0793496}"/>
+                    <a16:creationId xmlns:a16="http://schemas.microsoft.com/office/drawing/2014/main" xmlns="" xmlns:a14="http://schemas.microsoft.com/office/drawing/2010/main" id="{C22B3370-BF7B-4D51-A1E7-6F5DC0793496}"/>
                   </a:ext>
                 </a:extLst>
               </p:cNvPr>
@@ -12705,7 +12705,7 @@
                 <a:avLst/>
               </a:prstGeom>
               <a:blipFill>
-                <a:blip r:embed="rId23"/>
+                <a:blip r:embed="rId17"/>
                 <a:stretch>
                   <a:fillRect b="-2500"/>
                 </a:stretch>
@@ -12842,7 +12842,7 @@
               <p:cNvPr id="213" name="正方形/長方形 212">
                 <a:extLst>
                   <a:ext uri="{FF2B5EF4-FFF2-40B4-BE49-F238E27FC236}">
-                    <a16:creationId xmlns:a16="http://schemas.microsoft.com/office/drawing/2014/main" id="{B11B3CA2-8922-4E79-9672-D8ACCA758074}"/>
+                    <a16:creationId xmlns:a16="http://schemas.microsoft.com/office/drawing/2014/main" xmlns="" xmlns:a14="http://schemas.microsoft.com/office/drawing/2010/main" id="{B11B3CA2-8922-4E79-9672-D8ACCA758074}"/>
                   </a:ext>
                 </a:extLst>
               </p:cNvPr>
@@ -12860,7 +12860,7 @@
                 <a:avLst/>
               </a:prstGeom>
               <a:blipFill>
-                <a:blip r:embed="rId24"/>
+                <a:blip r:embed="rId18"/>
                 <a:stretch>
                   <a:fillRect t="-4762" r="-10465"/>
                 </a:stretch>
@@ -12997,7 +12997,7 @@
               <p:cNvPr id="214" name="正方形/長方形 213">
                 <a:extLst>
                   <a:ext uri="{FF2B5EF4-FFF2-40B4-BE49-F238E27FC236}">
-                    <a16:creationId xmlns:a16="http://schemas.microsoft.com/office/drawing/2014/main" id="{FC74C96F-E0B4-4754-85DE-7277B5CC2458}"/>
+                    <a16:creationId xmlns:a16="http://schemas.microsoft.com/office/drawing/2014/main" xmlns="" xmlns:a14="http://schemas.microsoft.com/office/drawing/2010/main" id="{FC74C96F-E0B4-4754-85DE-7277B5CC2458}"/>
                   </a:ext>
                 </a:extLst>
               </p:cNvPr>
@@ -13015,7 +13015,7 @@
                 <a:avLst/>
               </a:prstGeom>
               <a:blipFill>
-                <a:blip r:embed="rId25"/>
+                <a:blip r:embed="rId19"/>
                 <a:stretch>
                   <a:fillRect t="-4651" r="-9195"/>
                 </a:stretch>
@@ -13103,7 +13103,7 @@
               <p:cNvPr id="215" name="正方形/長方形 214">
                 <a:extLst>
                   <a:ext uri="{FF2B5EF4-FFF2-40B4-BE49-F238E27FC236}">
-                    <a16:creationId xmlns:a16="http://schemas.microsoft.com/office/drawing/2014/main" id="{E2AD19C4-2A2D-4A8C-A0F8-F7DBB454D179}"/>
+                    <a16:creationId xmlns:a16="http://schemas.microsoft.com/office/drawing/2014/main" xmlns="" xmlns:a14="http://schemas.microsoft.com/office/drawing/2010/main" id="{E2AD19C4-2A2D-4A8C-A0F8-F7DBB454D179}"/>
                   </a:ext>
                 </a:extLst>
               </p:cNvPr>
@@ -13121,7 +13121,7 @@
                 <a:avLst/>
               </a:prstGeom>
               <a:blipFill>
-                <a:blip r:embed="rId26"/>
+                <a:blip r:embed="rId20"/>
                 <a:stretch>
                   <a:fillRect/>
                 </a:stretch>
@@ -13231,7 +13231,7 @@
               <p:cNvPr id="131" name="テキスト ボックス 130">
                 <a:extLst>
                   <a:ext uri="{FF2B5EF4-FFF2-40B4-BE49-F238E27FC236}">
-                    <a16:creationId xmlns:a16="http://schemas.microsoft.com/office/drawing/2014/main" id="{71F2D869-58CC-48DA-A476-8348FB4E3E64}"/>
+                    <a16:creationId xmlns:a16="http://schemas.microsoft.com/office/drawing/2014/main" xmlns="" xmlns:a14="http://schemas.microsoft.com/office/drawing/2010/main" id="{71F2D869-58CC-48DA-A476-8348FB4E3E64}"/>
                   </a:ext>
                 </a:extLst>
               </p:cNvPr>
@@ -13249,7 +13249,7 @@
                 <a:avLst/>
               </a:prstGeom>
               <a:blipFill>
-                <a:blip r:embed="rId27"/>
+                <a:blip r:embed="rId21"/>
                 <a:stretch>
                   <a:fillRect/>
                 </a:stretch>
@@ -13359,7 +13359,7 @@
               <p:cNvPr id="132" name="テキスト ボックス 131">
                 <a:extLst>
                   <a:ext uri="{FF2B5EF4-FFF2-40B4-BE49-F238E27FC236}">
-                    <a16:creationId xmlns:a16="http://schemas.microsoft.com/office/drawing/2014/main" id="{B4C7FC54-61A2-4942-BE51-C4797BB3C8D1}"/>
+                    <a16:creationId xmlns:a16="http://schemas.microsoft.com/office/drawing/2014/main" xmlns="" xmlns:a14="http://schemas.microsoft.com/office/drawing/2010/main" id="{B4C7FC54-61A2-4942-BE51-C4797BB3C8D1}"/>
                   </a:ext>
                 </a:extLst>
               </p:cNvPr>
@@ -13377,7 +13377,7 @@
                 <a:avLst/>
               </a:prstGeom>
               <a:blipFill>
-                <a:blip r:embed="rId28"/>
+                <a:blip r:embed="rId22"/>
                 <a:stretch>
                   <a:fillRect/>
                 </a:stretch>
@@ -13487,7 +13487,7 @@
               <p:cNvPr id="133" name="テキスト ボックス 132">
                 <a:extLst>
                   <a:ext uri="{FF2B5EF4-FFF2-40B4-BE49-F238E27FC236}">
-                    <a16:creationId xmlns:a16="http://schemas.microsoft.com/office/drawing/2014/main" id="{2D222F60-3E26-4BA5-BCAB-BF875ACDD7FF}"/>
+                    <a16:creationId xmlns:a16="http://schemas.microsoft.com/office/drawing/2014/main" xmlns="" xmlns:a14="http://schemas.microsoft.com/office/drawing/2010/main" id="{2D222F60-3E26-4BA5-BCAB-BF875ACDD7FF}"/>
                   </a:ext>
                 </a:extLst>
               </p:cNvPr>
@@ -13505,7 +13505,7 @@
                 <a:avLst/>
               </a:prstGeom>
               <a:blipFill>
-                <a:blip r:embed="rId29"/>
+                <a:blip r:embed="rId23"/>
                 <a:stretch>
                   <a:fillRect/>
                 </a:stretch>
@@ -13633,7 +13633,7 @@
               <p:cNvPr id="135" name="正方形/長方形 134">
                 <a:extLst>
                   <a:ext uri="{FF2B5EF4-FFF2-40B4-BE49-F238E27FC236}">
-                    <a16:creationId xmlns:a16="http://schemas.microsoft.com/office/drawing/2014/main" id="{61F923BD-5492-42E0-A61F-71B7686423FD}"/>
+                    <a16:creationId xmlns:a16="http://schemas.microsoft.com/office/drawing/2014/main" xmlns="" xmlns:a14="http://schemas.microsoft.com/office/drawing/2010/main" id="{61F923BD-5492-42E0-A61F-71B7686423FD}"/>
                   </a:ext>
                 </a:extLst>
               </p:cNvPr>
@@ -13651,7 +13651,7 @@
                 <a:avLst/>
               </a:prstGeom>
               <a:blipFill>
-                <a:blip r:embed="rId30"/>
+                <a:blip r:embed="rId24"/>
                 <a:stretch>
                   <a:fillRect/>
                 </a:stretch>
@@ -13779,7 +13779,7 @@
               <p:cNvPr id="144" name="正方形/長方形 143">
                 <a:extLst>
                   <a:ext uri="{FF2B5EF4-FFF2-40B4-BE49-F238E27FC236}">
-                    <a16:creationId xmlns:a16="http://schemas.microsoft.com/office/drawing/2014/main" id="{11692082-F04D-4971-BC60-65A7AC2C91D0}"/>
+                    <a16:creationId xmlns:a16="http://schemas.microsoft.com/office/drawing/2014/main" xmlns="" xmlns:a14="http://schemas.microsoft.com/office/drawing/2010/main" id="{11692082-F04D-4971-BC60-65A7AC2C91D0}"/>
                   </a:ext>
                 </a:extLst>
               </p:cNvPr>
@@ -13797,7 +13797,7 @@
                 <a:avLst/>
               </a:prstGeom>
               <a:blipFill>
-                <a:blip r:embed="rId23"/>
+                <a:blip r:embed="rId17"/>
                 <a:stretch>
                   <a:fillRect b="-2500"/>
                 </a:stretch>
@@ -13925,7 +13925,7 @@
               <p:cNvPr id="156" name="正方形/長方形 155">
                 <a:extLst>
                   <a:ext uri="{FF2B5EF4-FFF2-40B4-BE49-F238E27FC236}">
-                    <a16:creationId xmlns:a16="http://schemas.microsoft.com/office/drawing/2014/main" id="{8091B0EF-1A50-46D2-BD20-F836437E283C}"/>
+                    <a16:creationId xmlns:a16="http://schemas.microsoft.com/office/drawing/2014/main" xmlns="" xmlns:a14="http://schemas.microsoft.com/office/drawing/2010/main" id="{8091B0EF-1A50-46D2-BD20-F836437E283C}"/>
                   </a:ext>
                 </a:extLst>
               </p:cNvPr>
@@ -14068,7 +14068,7 @@
               <p:cNvPr id="160" name="テキスト ボックス 159">
                 <a:extLst>
                   <a:ext uri="{FF2B5EF4-FFF2-40B4-BE49-F238E27FC236}">
-                    <a16:creationId xmlns:a16="http://schemas.microsoft.com/office/drawing/2014/main" id="{5E62C391-F2EA-4569-9F6C-159CB5E9EA42}"/>
+                    <a16:creationId xmlns:a16="http://schemas.microsoft.com/office/drawing/2014/main" xmlns="" xmlns:a14="http://schemas.microsoft.com/office/drawing/2010/main" id="{5E62C391-F2EA-4569-9F6C-159CB5E9EA42}"/>
                   </a:ext>
                 </a:extLst>
               </p:cNvPr>
@@ -14086,7 +14086,7 @@
                 <a:avLst/>
               </a:prstGeom>
               <a:blipFill>
-                <a:blip r:embed="rId31"/>
+                <a:blip r:embed="rId25"/>
                 <a:stretch>
                   <a:fillRect r="-1754"/>
                 </a:stretch>
@@ -14336,7 +14336,7 @@
               <p:cNvPr id="146" name="TextBox 18">
                 <a:extLst>
                   <a:ext uri="{FF2B5EF4-FFF2-40B4-BE49-F238E27FC236}">
-                    <a16:creationId xmlns:a16="http://schemas.microsoft.com/office/drawing/2014/main" id="{232479E6-BD0A-4370-9BDA-0A2AB22730A6}"/>
+                    <a16:creationId xmlns:a16="http://schemas.microsoft.com/office/drawing/2014/main" xmlns="" xmlns:a14="http://schemas.microsoft.com/office/drawing/2010/main" id="{232479E6-BD0A-4370-9BDA-0A2AB22730A6}"/>
                   </a:ext>
                 </a:extLst>
               </p:cNvPr>
@@ -14354,7 +14354,7 @@
                 <a:avLst/>
               </a:prstGeom>
               <a:blipFill>
-                <a:blip r:embed="rId32"/>
+                <a:blip r:embed="rId26"/>
                 <a:stretch>
                   <a:fillRect t="-2222" b="-8889"/>
                 </a:stretch>
@@ -14364,14 +14364,14 @@
               </a:ln>
               <a:extLst>
                 <a:ext uri="{909E8E84-426E-40DD-AFC4-6F175D3DCCD1}">
-                  <a14:hiddenFill xmlns:a14="http://schemas.microsoft.com/office/drawing/2010/main">
+                  <a14:hiddenFill xmlns:a14="http://schemas.microsoft.com/office/drawing/2010/main" xmlns="">
                     <a:solidFill>
                       <a:srgbClr val="FFFFFF"/>
                     </a:solidFill>
                   </a14:hiddenFill>
                 </a:ext>
                 <a:ext uri="{91240B29-F687-4F45-9708-019B960494DF}">
-                  <a14:hiddenLine xmlns:a14="http://schemas.microsoft.com/office/drawing/2010/main" w="9525">
+                  <a14:hiddenLine xmlns:a14="http://schemas.microsoft.com/office/drawing/2010/main" xmlns="" w="9525">
                     <a:solidFill>
                       <a:srgbClr val="000000"/>
                     </a:solidFill>
@@ -14530,7 +14530,7 @@
               <p:cNvPr id="152" name="TextBox 18">
                 <a:extLst>
                   <a:ext uri="{FF2B5EF4-FFF2-40B4-BE49-F238E27FC236}">
-                    <a16:creationId xmlns:a16="http://schemas.microsoft.com/office/drawing/2014/main" id="{D8ECB721-E193-44FB-82CB-9D8DFAAC9996}"/>
+                    <a16:creationId xmlns:a16="http://schemas.microsoft.com/office/drawing/2014/main" xmlns="" xmlns:a14="http://schemas.microsoft.com/office/drawing/2010/main" id="{D8ECB721-E193-44FB-82CB-9D8DFAAC9996}"/>
                   </a:ext>
                 </a:extLst>
               </p:cNvPr>
@@ -14548,7 +14548,7 @@
                 <a:avLst/>
               </a:prstGeom>
               <a:blipFill>
-                <a:blip r:embed="rId33"/>
+                <a:blip r:embed="rId27"/>
                 <a:stretch>
                   <a:fillRect t="-2222" b="-8889"/>
                 </a:stretch>
@@ -14558,14 +14558,14 @@
               </a:ln>
               <a:extLst>
                 <a:ext uri="{909E8E84-426E-40DD-AFC4-6F175D3DCCD1}">
-                  <a14:hiddenFill xmlns:a14="http://schemas.microsoft.com/office/drawing/2010/main">
+                  <a14:hiddenFill xmlns:a14="http://schemas.microsoft.com/office/drawing/2010/main" xmlns="">
                     <a:solidFill>
                       <a:srgbClr val="FFFFFF"/>
                     </a:solidFill>
                   </a14:hiddenFill>
                 </a:ext>
                 <a:ext uri="{91240B29-F687-4F45-9708-019B960494DF}">
-                  <a14:hiddenLine xmlns:a14="http://schemas.microsoft.com/office/drawing/2010/main" w="9525">
+                  <a14:hiddenLine xmlns:a14="http://schemas.microsoft.com/office/drawing/2010/main" xmlns="" w="9525">
                     <a:solidFill>
                       <a:srgbClr val="000000"/>
                     </a:solidFill>
@@ -14594,7 +14594,7 @@
     </p:spTree>
     <p:extLst>
       <p:ext uri="{BB962C8B-B14F-4D97-AF65-F5344CB8AC3E}">
-        <p14:creationId xmlns:p14="http://schemas.microsoft.com/office/powerpoint/2010/main" val="1298477929"/>
+        <p14:creationId xmlns:p14="http://schemas.microsoft.com/office/powerpoint/2010/main" val="1698106598"/>
       </p:ext>
     </p:extLst>
   </p:cSld>
